--- a/scrum.pptx
+++ b/scrum.pptx
@@ -5,29 +5,32 @@
     <p:sldMasterId id="2147483677" r:id="rId1"/>
   </p:sldMasterIdLst>
   <p:notesMasterIdLst>
-    <p:notesMasterId r:id="rId7"/>
+    <p:notesMasterId r:id="rId10"/>
   </p:notesMasterIdLst>
   <p:sldIdLst>
     <p:sldId id="302" r:id="rId2"/>
     <p:sldId id="256" r:id="rId3"/>
     <p:sldId id="257" r:id="rId4"/>
-    <p:sldId id="276" r:id="rId5"/>
-    <p:sldId id="280" r:id="rId6"/>
+    <p:sldId id="303" r:id="rId5"/>
+    <p:sldId id="276" r:id="rId6"/>
+    <p:sldId id="304" r:id="rId7"/>
+    <p:sldId id="305" r:id="rId8"/>
+    <p:sldId id="280" r:id="rId9"/>
   </p:sldIdLst>
   <p:sldSz cx="9144000" cy="5143500" type="screen16x9"/>
   <p:notesSz cx="6858000" cy="9144000"/>
   <p:embeddedFontLst>
     <p:embeddedFont>
       <p:font typeface="Oswald" pitchFamily="2" charset="0"/>
-      <p:regular r:id="rId8"/>
-      <p:bold r:id="rId9"/>
+      <p:regular r:id="rId11"/>
+      <p:bold r:id="rId12"/>
     </p:embeddedFont>
     <p:embeddedFont>
       <p:font typeface="Open Sans" panose="020B0606030504020204" pitchFamily="34" charset="0"/>
-      <p:regular r:id="rId10"/>
-      <p:bold r:id="rId11"/>
-      <p:italic r:id="rId12"/>
-      <p:boldItalic r:id="rId13"/>
+      <p:regular r:id="rId13"/>
+      <p:bold r:id="rId14"/>
+      <p:italic r:id="rId15"/>
+      <p:boldItalic r:id="rId16"/>
     </p:embeddedFont>
   </p:embeddedFontLst>
   <p:defaultTextStyle>
@@ -21627,6 +21630,13 @@
   <p:clrMapOvr>
     <a:masterClrMapping/>
   </p:clrMapOvr>
+  <p:timing>
+    <p:tnLst>
+      <p:par>
+        <p:cTn id="1" dur="indefinite" restart="never" nodeType="tmRoot"/>
+      </p:par>
+    </p:tnLst>
+  </p:timing>
 </p:sld>
 </file>
 
@@ -22022,6 +22032,1265 @@
   <p:cSld>
     <p:spTree>
       <p:nvGrpSpPr>
+        <p:cNvPr id="1" name=""/>
+        <p:cNvGrpSpPr/>
+        <p:nvPr/>
+      </p:nvGrpSpPr>
+      <p:grpSpPr>
+        <a:xfrm>
+          <a:off x="0" y="0"/>
+          <a:ext cx="0" cy="0"/>
+          <a:chOff x="0" y="0"/>
+          <a:chExt cx="0" cy="0"/>
+        </a:xfrm>
+      </p:grpSpPr>
+      <p:sp>
+        <p:nvSpPr>
+          <p:cNvPr id="2" name="Título 1"/>
+          <p:cNvSpPr>
+            <a:spLocks noGrp="1"/>
+          </p:cNvSpPr>
+          <p:nvPr>
+            <p:ph type="title"/>
+          </p:nvPr>
+        </p:nvSpPr>
+        <p:spPr/>
+        <p:txBody>
+          <a:bodyPr/>
+          <a:lstStyle/>
+          <a:p>
+            <a:pPr algn="l"/>
+            <a:r>
+              <a:rPr lang="es-BO" dirty="0" smtClean="0"/>
+              <a:t>ROLES</a:t>
+            </a:r>
+            <a:endParaRPr lang="es-ES" dirty="0"/>
+          </a:p>
+        </p:txBody>
+      </p:sp>
+      <p:sp>
+        <p:nvSpPr>
+          <p:cNvPr id="6" name="Google Shape;456;p33"/>
+          <p:cNvSpPr txBox="1">
+            <a:spLocks/>
+          </p:cNvSpPr>
+          <p:nvPr/>
+        </p:nvSpPr>
+        <p:spPr>
+          <a:xfrm>
+            <a:off x="613839" y="3229851"/>
+            <a:ext cx="2288434" cy="870151"/>
+          </a:xfrm>
+          <a:prstGeom prst="rect">
+            <a:avLst/>
+          </a:prstGeom>
+          <a:noFill/>
+          <a:ln>
+            <a:noFill/>
+          </a:ln>
+        </p:spPr>
+        <p:txBody>
+          <a:bodyPr spcFirstLastPara="1" wrap="square" lIns="91425" tIns="91425" rIns="91425" bIns="91425" anchor="t" anchorCtr="0">
+            <a:noAutofit/>
+          </a:bodyPr>
+          <a:lstStyle>
+            <a:defPPr marR="0" lvl="0" algn="l" rtl="0">
+              <a:lnSpc>
+                <a:spcPct val="100000"/>
+              </a:lnSpc>
+              <a:spcBef>
+                <a:spcPts val="0"/>
+              </a:spcBef>
+              <a:spcAft>
+                <a:spcPts val="0"/>
+              </a:spcAft>
+            </a:defPPr>
+            <a:lvl1pPr marR="0" lvl="0" algn="ctr" rtl="0">
+              <a:lnSpc>
+                <a:spcPct val="100000"/>
+              </a:lnSpc>
+              <a:spcBef>
+                <a:spcPts val="0"/>
+              </a:spcBef>
+              <a:spcAft>
+                <a:spcPts val="0"/>
+              </a:spcAft>
+              <a:buClr>
+                <a:schemeClr val="dk1"/>
+              </a:buClr>
+              <a:buSzPts val="2400"/>
+              <a:buFont typeface="Oswald"/>
+              <a:buNone/>
+              <a:defRPr sz="2400" b="0" i="0" u="none" strike="noStrike" cap="none">
+                <a:solidFill>
+                  <a:schemeClr val="dk1"/>
+                </a:solidFill>
+                <a:latin typeface="Oswald"/>
+                <a:ea typeface="Oswald"/>
+                <a:cs typeface="Oswald"/>
+                <a:sym typeface="Oswald"/>
+              </a:defRPr>
+            </a:lvl1pPr>
+            <a:lvl2pPr marR="0" lvl="1" algn="ctr" rtl="0">
+              <a:lnSpc>
+                <a:spcPct val="100000"/>
+              </a:lnSpc>
+              <a:spcBef>
+                <a:spcPts val="0"/>
+              </a:spcBef>
+              <a:spcAft>
+                <a:spcPts val="0"/>
+              </a:spcAft>
+              <a:buClr>
+                <a:schemeClr val="dk1"/>
+              </a:buClr>
+              <a:buSzPts val="2400"/>
+              <a:buFont typeface="Oswald"/>
+              <a:buNone/>
+              <a:defRPr sz="2400" b="0" i="0" u="none" strike="noStrike" cap="none">
+                <a:solidFill>
+                  <a:schemeClr val="dk1"/>
+                </a:solidFill>
+                <a:latin typeface="Oswald"/>
+                <a:ea typeface="Oswald"/>
+                <a:cs typeface="Oswald"/>
+                <a:sym typeface="Oswald"/>
+              </a:defRPr>
+            </a:lvl2pPr>
+            <a:lvl3pPr marR="0" lvl="2" algn="ctr" rtl="0">
+              <a:lnSpc>
+                <a:spcPct val="100000"/>
+              </a:lnSpc>
+              <a:spcBef>
+                <a:spcPts val="0"/>
+              </a:spcBef>
+              <a:spcAft>
+                <a:spcPts val="0"/>
+              </a:spcAft>
+              <a:buClr>
+                <a:schemeClr val="dk1"/>
+              </a:buClr>
+              <a:buSzPts val="2400"/>
+              <a:buFont typeface="Oswald"/>
+              <a:buNone/>
+              <a:defRPr sz="2400" b="0" i="0" u="none" strike="noStrike" cap="none">
+                <a:solidFill>
+                  <a:schemeClr val="dk1"/>
+                </a:solidFill>
+                <a:latin typeface="Oswald"/>
+                <a:ea typeface="Oswald"/>
+                <a:cs typeface="Oswald"/>
+                <a:sym typeface="Oswald"/>
+              </a:defRPr>
+            </a:lvl3pPr>
+            <a:lvl4pPr marR="0" lvl="3" algn="ctr" rtl="0">
+              <a:lnSpc>
+                <a:spcPct val="100000"/>
+              </a:lnSpc>
+              <a:spcBef>
+                <a:spcPts val="0"/>
+              </a:spcBef>
+              <a:spcAft>
+                <a:spcPts val="0"/>
+              </a:spcAft>
+              <a:buClr>
+                <a:schemeClr val="dk1"/>
+              </a:buClr>
+              <a:buSzPts val="2400"/>
+              <a:buFont typeface="Oswald"/>
+              <a:buNone/>
+              <a:defRPr sz="2400" b="0" i="0" u="none" strike="noStrike" cap="none">
+                <a:solidFill>
+                  <a:schemeClr val="dk1"/>
+                </a:solidFill>
+                <a:latin typeface="Oswald"/>
+                <a:ea typeface="Oswald"/>
+                <a:cs typeface="Oswald"/>
+                <a:sym typeface="Oswald"/>
+              </a:defRPr>
+            </a:lvl4pPr>
+            <a:lvl5pPr marR="0" lvl="4" algn="ctr" rtl="0">
+              <a:lnSpc>
+                <a:spcPct val="100000"/>
+              </a:lnSpc>
+              <a:spcBef>
+                <a:spcPts val="0"/>
+              </a:spcBef>
+              <a:spcAft>
+                <a:spcPts val="0"/>
+              </a:spcAft>
+              <a:buClr>
+                <a:schemeClr val="dk1"/>
+              </a:buClr>
+              <a:buSzPts val="2400"/>
+              <a:buFont typeface="Oswald"/>
+              <a:buNone/>
+              <a:defRPr sz="2400" b="0" i="0" u="none" strike="noStrike" cap="none">
+                <a:solidFill>
+                  <a:schemeClr val="dk1"/>
+                </a:solidFill>
+                <a:latin typeface="Oswald"/>
+                <a:ea typeface="Oswald"/>
+                <a:cs typeface="Oswald"/>
+                <a:sym typeface="Oswald"/>
+              </a:defRPr>
+            </a:lvl5pPr>
+            <a:lvl6pPr marR="0" lvl="5" algn="ctr" rtl="0">
+              <a:lnSpc>
+                <a:spcPct val="100000"/>
+              </a:lnSpc>
+              <a:spcBef>
+                <a:spcPts val="0"/>
+              </a:spcBef>
+              <a:spcAft>
+                <a:spcPts val="0"/>
+              </a:spcAft>
+              <a:buClr>
+                <a:schemeClr val="dk1"/>
+              </a:buClr>
+              <a:buSzPts val="2400"/>
+              <a:buFont typeface="Oswald"/>
+              <a:buNone/>
+              <a:defRPr sz="2400" b="0" i="0" u="none" strike="noStrike" cap="none">
+                <a:solidFill>
+                  <a:schemeClr val="dk1"/>
+                </a:solidFill>
+                <a:latin typeface="Oswald"/>
+                <a:ea typeface="Oswald"/>
+                <a:cs typeface="Oswald"/>
+                <a:sym typeface="Oswald"/>
+              </a:defRPr>
+            </a:lvl6pPr>
+            <a:lvl7pPr marR="0" lvl="6" algn="ctr" rtl="0">
+              <a:lnSpc>
+                <a:spcPct val="100000"/>
+              </a:lnSpc>
+              <a:spcBef>
+                <a:spcPts val="0"/>
+              </a:spcBef>
+              <a:spcAft>
+                <a:spcPts val="0"/>
+              </a:spcAft>
+              <a:buClr>
+                <a:schemeClr val="dk1"/>
+              </a:buClr>
+              <a:buSzPts val="2400"/>
+              <a:buFont typeface="Oswald"/>
+              <a:buNone/>
+              <a:defRPr sz="2400" b="0" i="0" u="none" strike="noStrike" cap="none">
+                <a:solidFill>
+                  <a:schemeClr val="dk1"/>
+                </a:solidFill>
+                <a:latin typeface="Oswald"/>
+                <a:ea typeface="Oswald"/>
+                <a:cs typeface="Oswald"/>
+                <a:sym typeface="Oswald"/>
+              </a:defRPr>
+            </a:lvl7pPr>
+            <a:lvl8pPr marR="0" lvl="7" algn="ctr" rtl="0">
+              <a:lnSpc>
+                <a:spcPct val="100000"/>
+              </a:lnSpc>
+              <a:spcBef>
+                <a:spcPts val="0"/>
+              </a:spcBef>
+              <a:spcAft>
+                <a:spcPts val="0"/>
+              </a:spcAft>
+              <a:buClr>
+                <a:schemeClr val="dk1"/>
+              </a:buClr>
+              <a:buSzPts val="2400"/>
+              <a:buFont typeface="Oswald"/>
+              <a:buNone/>
+              <a:defRPr sz="2400" b="0" i="0" u="none" strike="noStrike" cap="none">
+                <a:solidFill>
+                  <a:schemeClr val="dk1"/>
+                </a:solidFill>
+                <a:latin typeface="Oswald"/>
+                <a:ea typeface="Oswald"/>
+                <a:cs typeface="Oswald"/>
+                <a:sym typeface="Oswald"/>
+              </a:defRPr>
+            </a:lvl8pPr>
+            <a:lvl9pPr marR="0" lvl="8" algn="ctr" rtl="0">
+              <a:lnSpc>
+                <a:spcPct val="100000"/>
+              </a:lnSpc>
+              <a:spcBef>
+                <a:spcPts val="0"/>
+              </a:spcBef>
+              <a:spcAft>
+                <a:spcPts val="0"/>
+              </a:spcAft>
+              <a:buClr>
+                <a:schemeClr val="dk1"/>
+              </a:buClr>
+              <a:buSzPts val="2400"/>
+              <a:buFont typeface="Oswald"/>
+              <a:buNone/>
+              <a:defRPr sz="2400" b="0" i="0" u="none" strike="noStrike" cap="none">
+                <a:solidFill>
+                  <a:schemeClr val="dk1"/>
+                </a:solidFill>
+                <a:latin typeface="Oswald"/>
+                <a:ea typeface="Oswald"/>
+                <a:cs typeface="Oswald"/>
+                <a:sym typeface="Oswald"/>
+              </a:defRPr>
+            </a:lvl9pPr>
+          </a:lstStyle>
+          <a:p>
+            <a:pPr algn="l"/>
+            <a:r>
+              <a:rPr lang="es-BO" dirty="0" smtClean="0"/>
+              <a:t>PRODUCT OWNER:</a:t>
+            </a:r>
+          </a:p>
+          <a:p>
+            <a:pPr algn="l"/>
+            <a:r>
+              <a:rPr lang="es-BO" dirty="0" smtClean="0"/>
+              <a:t>SAMUEL CABRERA</a:t>
+            </a:r>
+          </a:p>
+          <a:p>
+            <a:pPr algn="l"/>
+            <a:endParaRPr lang="es-BO" dirty="0"/>
+          </a:p>
+        </p:txBody>
+      </p:sp>
+      <p:sp>
+        <p:nvSpPr>
+          <p:cNvPr id="7" name="Google Shape;456;p33"/>
+          <p:cNvSpPr txBox="1">
+            <a:spLocks/>
+          </p:cNvSpPr>
+          <p:nvPr/>
+        </p:nvSpPr>
+        <p:spPr>
+          <a:xfrm>
+            <a:off x="5784563" y="3076336"/>
+            <a:ext cx="2575035" cy="870151"/>
+          </a:xfrm>
+          <a:prstGeom prst="rect">
+            <a:avLst/>
+          </a:prstGeom>
+          <a:noFill/>
+          <a:ln>
+            <a:noFill/>
+          </a:ln>
+        </p:spPr>
+        <p:txBody>
+          <a:bodyPr spcFirstLastPara="1" wrap="square" lIns="91425" tIns="91425" rIns="91425" bIns="91425" anchor="t" anchorCtr="0">
+            <a:noAutofit/>
+          </a:bodyPr>
+          <a:lstStyle>
+            <a:defPPr marR="0" lvl="0" algn="l" rtl="0">
+              <a:lnSpc>
+                <a:spcPct val="100000"/>
+              </a:lnSpc>
+              <a:spcBef>
+                <a:spcPts val="0"/>
+              </a:spcBef>
+              <a:spcAft>
+                <a:spcPts val="0"/>
+              </a:spcAft>
+            </a:defPPr>
+            <a:lvl1pPr marR="0" lvl="0" algn="ctr" rtl="0">
+              <a:lnSpc>
+                <a:spcPct val="100000"/>
+              </a:lnSpc>
+              <a:spcBef>
+                <a:spcPts val="0"/>
+              </a:spcBef>
+              <a:spcAft>
+                <a:spcPts val="0"/>
+              </a:spcAft>
+              <a:buClr>
+                <a:schemeClr val="dk1"/>
+              </a:buClr>
+              <a:buSzPts val="2400"/>
+              <a:buFont typeface="Oswald"/>
+              <a:buNone/>
+              <a:defRPr sz="2400" b="0" i="0" u="none" strike="noStrike" cap="none">
+                <a:solidFill>
+                  <a:schemeClr val="dk1"/>
+                </a:solidFill>
+                <a:latin typeface="Oswald"/>
+                <a:ea typeface="Oswald"/>
+                <a:cs typeface="Oswald"/>
+                <a:sym typeface="Oswald"/>
+              </a:defRPr>
+            </a:lvl1pPr>
+            <a:lvl2pPr marR="0" lvl="1" algn="ctr" rtl="0">
+              <a:lnSpc>
+                <a:spcPct val="100000"/>
+              </a:lnSpc>
+              <a:spcBef>
+                <a:spcPts val="0"/>
+              </a:spcBef>
+              <a:spcAft>
+                <a:spcPts val="0"/>
+              </a:spcAft>
+              <a:buClr>
+                <a:schemeClr val="dk1"/>
+              </a:buClr>
+              <a:buSzPts val="2400"/>
+              <a:buFont typeface="Oswald"/>
+              <a:buNone/>
+              <a:defRPr sz="2400" b="0" i="0" u="none" strike="noStrike" cap="none">
+                <a:solidFill>
+                  <a:schemeClr val="dk1"/>
+                </a:solidFill>
+                <a:latin typeface="Oswald"/>
+                <a:ea typeface="Oswald"/>
+                <a:cs typeface="Oswald"/>
+                <a:sym typeface="Oswald"/>
+              </a:defRPr>
+            </a:lvl2pPr>
+            <a:lvl3pPr marR="0" lvl="2" algn="ctr" rtl="0">
+              <a:lnSpc>
+                <a:spcPct val="100000"/>
+              </a:lnSpc>
+              <a:spcBef>
+                <a:spcPts val="0"/>
+              </a:spcBef>
+              <a:spcAft>
+                <a:spcPts val="0"/>
+              </a:spcAft>
+              <a:buClr>
+                <a:schemeClr val="dk1"/>
+              </a:buClr>
+              <a:buSzPts val="2400"/>
+              <a:buFont typeface="Oswald"/>
+              <a:buNone/>
+              <a:defRPr sz="2400" b="0" i="0" u="none" strike="noStrike" cap="none">
+                <a:solidFill>
+                  <a:schemeClr val="dk1"/>
+                </a:solidFill>
+                <a:latin typeface="Oswald"/>
+                <a:ea typeface="Oswald"/>
+                <a:cs typeface="Oswald"/>
+                <a:sym typeface="Oswald"/>
+              </a:defRPr>
+            </a:lvl3pPr>
+            <a:lvl4pPr marR="0" lvl="3" algn="ctr" rtl="0">
+              <a:lnSpc>
+                <a:spcPct val="100000"/>
+              </a:lnSpc>
+              <a:spcBef>
+                <a:spcPts val="0"/>
+              </a:spcBef>
+              <a:spcAft>
+                <a:spcPts val="0"/>
+              </a:spcAft>
+              <a:buClr>
+                <a:schemeClr val="dk1"/>
+              </a:buClr>
+              <a:buSzPts val="2400"/>
+              <a:buFont typeface="Oswald"/>
+              <a:buNone/>
+              <a:defRPr sz="2400" b="0" i="0" u="none" strike="noStrike" cap="none">
+                <a:solidFill>
+                  <a:schemeClr val="dk1"/>
+                </a:solidFill>
+                <a:latin typeface="Oswald"/>
+                <a:ea typeface="Oswald"/>
+                <a:cs typeface="Oswald"/>
+                <a:sym typeface="Oswald"/>
+              </a:defRPr>
+            </a:lvl4pPr>
+            <a:lvl5pPr marR="0" lvl="4" algn="ctr" rtl="0">
+              <a:lnSpc>
+                <a:spcPct val="100000"/>
+              </a:lnSpc>
+              <a:spcBef>
+                <a:spcPts val="0"/>
+              </a:spcBef>
+              <a:spcAft>
+                <a:spcPts val="0"/>
+              </a:spcAft>
+              <a:buClr>
+                <a:schemeClr val="dk1"/>
+              </a:buClr>
+              <a:buSzPts val="2400"/>
+              <a:buFont typeface="Oswald"/>
+              <a:buNone/>
+              <a:defRPr sz="2400" b="0" i="0" u="none" strike="noStrike" cap="none">
+                <a:solidFill>
+                  <a:schemeClr val="dk1"/>
+                </a:solidFill>
+                <a:latin typeface="Oswald"/>
+                <a:ea typeface="Oswald"/>
+                <a:cs typeface="Oswald"/>
+                <a:sym typeface="Oswald"/>
+              </a:defRPr>
+            </a:lvl5pPr>
+            <a:lvl6pPr marR="0" lvl="5" algn="ctr" rtl="0">
+              <a:lnSpc>
+                <a:spcPct val="100000"/>
+              </a:lnSpc>
+              <a:spcBef>
+                <a:spcPts val="0"/>
+              </a:spcBef>
+              <a:spcAft>
+                <a:spcPts val="0"/>
+              </a:spcAft>
+              <a:buClr>
+                <a:schemeClr val="dk1"/>
+              </a:buClr>
+              <a:buSzPts val="2400"/>
+              <a:buFont typeface="Oswald"/>
+              <a:buNone/>
+              <a:defRPr sz="2400" b="0" i="0" u="none" strike="noStrike" cap="none">
+                <a:solidFill>
+                  <a:schemeClr val="dk1"/>
+                </a:solidFill>
+                <a:latin typeface="Oswald"/>
+                <a:ea typeface="Oswald"/>
+                <a:cs typeface="Oswald"/>
+                <a:sym typeface="Oswald"/>
+              </a:defRPr>
+            </a:lvl6pPr>
+            <a:lvl7pPr marR="0" lvl="6" algn="ctr" rtl="0">
+              <a:lnSpc>
+                <a:spcPct val="100000"/>
+              </a:lnSpc>
+              <a:spcBef>
+                <a:spcPts val="0"/>
+              </a:spcBef>
+              <a:spcAft>
+                <a:spcPts val="0"/>
+              </a:spcAft>
+              <a:buClr>
+                <a:schemeClr val="dk1"/>
+              </a:buClr>
+              <a:buSzPts val="2400"/>
+              <a:buFont typeface="Oswald"/>
+              <a:buNone/>
+              <a:defRPr sz="2400" b="0" i="0" u="none" strike="noStrike" cap="none">
+                <a:solidFill>
+                  <a:schemeClr val="dk1"/>
+                </a:solidFill>
+                <a:latin typeface="Oswald"/>
+                <a:ea typeface="Oswald"/>
+                <a:cs typeface="Oswald"/>
+                <a:sym typeface="Oswald"/>
+              </a:defRPr>
+            </a:lvl7pPr>
+            <a:lvl8pPr marR="0" lvl="7" algn="ctr" rtl="0">
+              <a:lnSpc>
+                <a:spcPct val="100000"/>
+              </a:lnSpc>
+              <a:spcBef>
+                <a:spcPts val="0"/>
+              </a:spcBef>
+              <a:spcAft>
+                <a:spcPts val="0"/>
+              </a:spcAft>
+              <a:buClr>
+                <a:schemeClr val="dk1"/>
+              </a:buClr>
+              <a:buSzPts val="2400"/>
+              <a:buFont typeface="Oswald"/>
+              <a:buNone/>
+              <a:defRPr sz="2400" b="0" i="0" u="none" strike="noStrike" cap="none">
+                <a:solidFill>
+                  <a:schemeClr val="dk1"/>
+                </a:solidFill>
+                <a:latin typeface="Oswald"/>
+                <a:ea typeface="Oswald"/>
+                <a:cs typeface="Oswald"/>
+                <a:sym typeface="Oswald"/>
+              </a:defRPr>
+            </a:lvl8pPr>
+            <a:lvl9pPr marR="0" lvl="8" algn="ctr" rtl="0">
+              <a:lnSpc>
+                <a:spcPct val="100000"/>
+              </a:lnSpc>
+              <a:spcBef>
+                <a:spcPts val="0"/>
+              </a:spcBef>
+              <a:spcAft>
+                <a:spcPts val="0"/>
+              </a:spcAft>
+              <a:buClr>
+                <a:schemeClr val="dk1"/>
+              </a:buClr>
+              <a:buSzPts val="2400"/>
+              <a:buFont typeface="Oswald"/>
+              <a:buNone/>
+              <a:defRPr sz="2400" b="0" i="0" u="none" strike="noStrike" cap="none">
+                <a:solidFill>
+                  <a:schemeClr val="dk1"/>
+                </a:solidFill>
+                <a:latin typeface="Oswald"/>
+                <a:ea typeface="Oswald"/>
+                <a:cs typeface="Oswald"/>
+                <a:sym typeface="Oswald"/>
+              </a:defRPr>
+            </a:lvl9pPr>
+          </a:lstStyle>
+          <a:p>
+            <a:pPr algn="l"/>
+            <a:r>
+              <a:rPr lang="es-BO" dirty="0" smtClean="0"/>
+              <a:t>SCRUM TEAM:</a:t>
+            </a:r>
+          </a:p>
+          <a:p>
+            <a:pPr algn="l"/>
+            <a:r>
+              <a:rPr lang="es-BO" dirty="0" smtClean="0"/>
+              <a:t>JORGE </a:t>
+            </a:r>
+            <a:r>
+              <a:rPr lang="es-BO" dirty="0" smtClean="0"/>
+              <a:t>YAMPARA</a:t>
+            </a:r>
+          </a:p>
+          <a:p>
+            <a:pPr algn="l"/>
+            <a:r>
+              <a:rPr lang="es-BO" dirty="0" smtClean="0"/>
+              <a:t>KAREN QUIROZ</a:t>
+            </a:r>
+            <a:endParaRPr lang="es-BO" dirty="0" smtClean="0"/>
+          </a:p>
+        </p:txBody>
+      </p:sp>
+      <p:sp>
+        <p:nvSpPr>
+          <p:cNvPr id="8" name="Google Shape;456;p33"/>
+          <p:cNvSpPr txBox="1">
+            <a:spLocks/>
+          </p:cNvSpPr>
+          <p:nvPr/>
+        </p:nvSpPr>
+        <p:spPr>
+          <a:xfrm>
+            <a:off x="3308154" y="3254292"/>
+            <a:ext cx="2288434" cy="870151"/>
+          </a:xfrm>
+          <a:prstGeom prst="rect">
+            <a:avLst/>
+          </a:prstGeom>
+          <a:noFill/>
+          <a:ln>
+            <a:noFill/>
+          </a:ln>
+        </p:spPr>
+        <p:txBody>
+          <a:bodyPr spcFirstLastPara="1" wrap="square" lIns="91425" tIns="91425" rIns="91425" bIns="91425" anchor="t" anchorCtr="0">
+            <a:noAutofit/>
+          </a:bodyPr>
+          <a:lstStyle>
+            <a:defPPr marR="0" lvl="0" algn="l" rtl="0">
+              <a:lnSpc>
+                <a:spcPct val="100000"/>
+              </a:lnSpc>
+              <a:spcBef>
+                <a:spcPts val="0"/>
+              </a:spcBef>
+              <a:spcAft>
+                <a:spcPts val="0"/>
+              </a:spcAft>
+            </a:defPPr>
+            <a:lvl1pPr marR="0" lvl="0" algn="ctr" rtl="0">
+              <a:lnSpc>
+                <a:spcPct val="100000"/>
+              </a:lnSpc>
+              <a:spcBef>
+                <a:spcPts val="0"/>
+              </a:spcBef>
+              <a:spcAft>
+                <a:spcPts val="0"/>
+              </a:spcAft>
+              <a:buClr>
+                <a:schemeClr val="dk1"/>
+              </a:buClr>
+              <a:buSzPts val="2400"/>
+              <a:buFont typeface="Oswald"/>
+              <a:buNone/>
+              <a:defRPr sz="2400" b="0" i="0" u="none" strike="noStrike" cap="none">
+                <a:solidFill>
+                  <a:schemeClr val="dk1"/>
+                </a:solidFill>
+                <a:latin typeface="Oswald"/>
+                <a:ea typeface="Oswald"/>
+                <a:cs typeface="Oswald"/>
+                <a:sym typeface="Oswald"/>
+              </a:defRPr>
+            </a:lvl1pPr>
+            <a:lvl2pPr marR="0" lvl="1" algn="ctr" rtl="0">
+              <a:lnSpc>
+                <a:spcPct val="100000"/>
+              </a:lnSpc>
+              <a:spcBef>
+                <a:spcPts val="0"/>
+              </a:spcBef>
+              <a:spcAft>
+                <a:spcPts val="0"/>
+              </a:spcAft>
+              <a:buClr>
+                <a:schemeClr val="dk1"/>
+              </a:buClr>
+              <a:buSzPts val="2400"/>
+              <a:buFont typeface="Oswald"/>
+              <a:buNone/>
+              <a:defRPr sz="2400" b="0" i="0" u="none" strike="noStrike" cap="none">
+                <a:solidFill>
+                  <a:schemeClr val="dk1"/>
+                </a:solidFill>
+                <a:latin typeface="Oswald"/>
+                <a:ea typeface="Oswald"/>
+                <a:cs typeface="Oswald"/>
+                <a:sym typeface="Oswald"/>
+              </a:defRPr>
+            </a:lvl2pPr>
+            <a:lvl3pPr marR="0" lvl="2" algn="ctr" rtl="0">
+              <a:lnSpc>
+                <a:spcPct val="100000"/>
+              </a:lnSpc>
+              <a:spcBef>
+                <a:spcPts val="0"/>
+              </a:spcBef>
+              <a:spcAft>
+                <a:spcPts val="0"/>
+              </a:spcAft>
+              <a:buClr>
+                <a:schemeClr val="dk1"/>
+              </a:buClr>
+              <a:buSzPts val="2400"/>
+              <a:buFont typeface="Oswald"/>
+              <a:buNone/>
+              <a:defRPr sz="2400" b="0" i="0" u="none" strike="noStrike" cap="none">
+                <a:solidFill>
+                  <a:schemeClr val="dk1"/>
+                </a:solidFill>
+                <a:latin typeface="Oswald"/>
+                <a:ea typeface="Oswald"/>
+                <a:cs typeface="Oswald"/>
+                <a:sym typeface="Oswald"/>
+              </a:defRPr>
+            </a:lvl3pPr>
+            <a:lvl4pPr marR="0" lvl="3" algn="ctr" rtl="0">
+              <a:lnSpc>
+                <a:spcPct val="100000"/>
+              </a:lnSpc>
+              <a:spcBef>
+                <a:spcPts val="0"/>
+              </a:spcBef>
+              <a:spcAft>
+                <a:spcPts val="0"/>
+              </a:spcAft>
+              <a:buClr>
+                <a:schemeClr val="dk1"/>
+              </a:buClr>
+              <a:buSzPts val="2400"/>
+              <a:buFont typeface="Oswald"/>
+              <a:buNone/>
+              <a:defRPr sz="2400" b="0" i="0" u="none" strike="noStrike" cap="none">
+                <a:solidFill>
+                  <a:schemeClr val="dk1"/>
+                </a:solidFill>
+                <a:latin typeface="Oswald"/>
+                <a:ea typeface="Oswald"/>
+                <a:cs typeface="Oswald"/>
+                <a:sym typeface="Oswald"/>
+              </a:defRPr>
+            </a:lvl4pPr>
+            <a:lvl5pPr marR="0" lvl="4" algn="ctr" rtl="0">
+              <a:lnSpc>
+                <a:spcPct val="100000"/>
+              </a:lnSpc>
+              <a:spcBef>
+                <a:spcPts val="0"/>
+              </a:spcBef>
+              <a:spcAft>
+                <a:spcPts val="0"/>
+              </a:spcAft>
+              <a:buClr>
+                <a:schemeClr val="dk1"/>
+              </a:buClr>
+              <a:buSzPts val="2400"/>
+              <a:buFont typeface="Oswald"/>
+              <a:buNone/>
+              <a:defRPr sz="2400" b="0" i="0" u="none" strike="noStrike" cap="none">
+                <a:solidFill>
+                  <a:schemeClr val="dk1"/>
+                </a:solidFill>
+                <a:latin typeface="Oswald"/>
+                <a:ea typeface="Oswald"/>
+                <a:cs typeface="Oswald"/>
+                <a:sym typeface="Oswald"/>
+              </a:defRPr>
+            </a:lvl5pPr>
+            <a:lvl6pPr marR="0" lvl="5" algn="ctr" rtl="0">
+              <a:lnSpc>
+                <a:spcPct val="100000"/>
+              </a:lnSpc>
+              <a:spcBef>
+                <a:spcPts val="0"/>
+              </a:spcBef>
+              <a:spcAft>
+                <a:spcPts val="0"/>
+              </a:spcAft>
+              <a:buClr>
+                <a:schemeClr val="dk1"/>
+              </a:buClr>
+              <a:buSzPts val="2400"/>
+              <a:buFont typeface="Oswald"/>
+              <a:buNone/>
+              <a:defRPr sz="2400" b="0" i="0" u="none" strike="noStrike" cap="none">
+                <a:solidFill>
+                  <a:schemeClr val="dk1"/>
+                </a:solidFill>
+                <a:latin typeface="Oswald"/>
+                <a:ea typeface="Oswald"/>
+                <a:cs typeface="Oswald"/>
+                <a:sym typeface="Oswald"/>
+              </a:defRPr>
+            </a:lvl6pPr>
+            <a:lvl7pPr marR="0" lvl="6" algn="ctr" rtl="0">
+              <a:lnSpc>
+                <a:spcPct val="100000"/>
+              </a:lnSpc>
+              <a:spcBef>
+                <a:spcPts val="0"/>
+              </a:spcBef>
+              <a:spcAft>
+                <a:spcPts val="0"/>
+              </a:spcAft>
+              <a:buClr>
+                <a:schemeClr val="dk1"/>
+              </a:buClr>
+              <a:buSzPts val="2400"/>
+              <a:buFont typeface="Oswald"/>
+              <a:buNone/>
+              <a:defRPr sz="2400" b="0" i="0" u="none" strike="noStrike" cap="none">
+                <a:solidFill>
+                  <a:schemeClr val="dk1"/>
+                </a:solidFill>
+                <a:latin typeface="Oswald"/>
+                <a:ea typeface="Oswald"/>
+                <a:cs typeface="Oswald"/>
+                <a:sym typeface="Oswald"/>
+              </a:defRPr>
+            </a:lvl7pPr>
+            <a:lvl8pPr marR="0" lvl="7" algn="ctr" rtl="0">
+              <a:lnSpc>
+                <a:spcPct val="100000"/>
+              </a:lnSpc>
+              <a:spcBef>
+                <a:spcPts val="0"/>
+              </a:spcBef>
+              <a:spcAft>
+                <a:spcPts val="0"/>
+              </a:spcAft>
+              <a:buClr>
+                <a:schemeClr val="dk1"/>
+              </a:buClr>
+              <a:buSzPts val="2400"/>
+              <a:buFont typeface="Oswald"/>
+              <a:buNone/>
+              <a:defRPr sz="2400" b="0" i="0" u="none" strike="noStrike" cap="none">
+                <a:solidFill>
+                  <a:schemeClr val="dk1"/>
+                </a:solidFill>
+                <a:latin typeface="Oswald"/>
+                <a:ea typeface="Oswald"/>
+                <a:cs typeface="Oswald"/>
+                <a:sym typeface="Oswald"/>
+              </a:defRPr>
+            </a:lvl8pPr>
+            <a:lvl9pPr marR="0" lvl="8" algn="ctr" rtl="0">
+              <a:lnSpc>
+                <a:spcPct val="100000"/>
+              </a:lnSpc>
+              <a:spcBef>
+                <a:spcPts val="0"/>
+              </a:spcBef>
+              <a:spcAft>
+                <a:spcPts val="0"/>
+              </a:spcAft>
+              <a:buClr>
+                <a:schemeClr val="dk1"/>
+              </a:buClr>
+              <a:buSzPts val="2400"/>
+              <a:buFont typeface="Oswald"/>
+              <a:buNone/>
+              <a:defRPr sz="2400" b="0" i="0" u="none" strike="noStrike" cap="none">
+                <a:solidFill>
+                  <a:schemeClr val="dk1"/>
+                </a:solidFill>
+                <a:latin typeface="Oswald"/>
+                <a:ea typeface="Oswald"/>
+                <a:cs typeface="Oswald"/>
+                <a:sym typeface="Oswald"/>
+              </a:defRPr>
+            </a:lvl9pPr>
+          </a:lstStyle>
+          <a:p>
+            <a:pPr algn="l"/>
+            <a:r>
+              <a:rPr lang="es-BO" dirty="0" smtClean="0"/>
+              <a:t>SCRUM MASTER:</a:t>
+            </a:r>
+          </a:p>
+          <a:p>
+            <a:pPr algn="l"/>
+            <a:r>
+              <a:rPr lang="es-BO" dirty="0" smtClean="0"/>
+              <a:t>KAREN QUIROZ</a:t>
+            </a:r>
+          </a:p>
+        </p:txBody>
+      </p:sp>
+      <p:grpSp>
+        <p:nvGrpSpPr>
+          <p:cNvPr id="10" name="Grupo 9"/>
+          <p:cNvGrpSpPr/>
+          <p:nvPr/>
+        </p:nvGrpSpPr>
+        <p:grpSpPr>
+          <a:xfrm>
+            <a:off x="717525" y="1007614"/>
+            <a:ext cx="7144379" cy="2068722"/>
+            <a:chOff x="670949" y="1350482"/>
+            <a:chExt cx="7144379" cy="2068722"/>
+          </a:xfrm>
+        </p:grpSpPr>
+        <p:grpSp>
+          <p:nvGrpSpPr>
+            <p:cNvPr id="14" name="Grupo 13"/>
+            <p:cNvGrpSpPr/>
+            <p:nvPr/>
+          </p:nvGrpSpPr>
+          <p:grpSpPr>
+            <a:xfrm>
+              <a:off x="670949" y="1350482"/>
+              <a:ext cx="2590629" cy="2068722"/>
+              <a:chOff x="670949" y="1350482"/>
+              <a:chExt cx="2590629" cy="2068722"/>
+            </a:xfrm>
+          </p:grpSpPr>
+          <p:pic>
+            <p:nvPicPr>
+              <p:cNvPr id="3" name="Imagen 2"/>
+              <p:cNvPicPr>
+                <a:picLocks noChangeAspect="1"/>
+              </p:cNvPicPr>
+              <p:nvPr/>
+            </p:nvPicPr>
+            <p:blipFill>
+              <a:blip r:embed="rId2">
+                <a:extLst>
+                  <a:ext uri="{BEBA8EAE-BF5A-486C-A8C5-ECC9F3942E4B}">
+                    <a14:imgProps xmlns:a14="http://schemas.microsoft.com/office/drawing/2010/main">
+                      <a14:imgLayer r:embed="rId3">
+                        <a14:imgEffect>
+                          <a14:backgroundRemoval t="10000" b="90000" l="10000" r="90000"/>
+                        </a14:imgEffect>
+                        <a14:imgEffect>
+                          <a14:sharpenSoften amount="25000"/>
+                        </a14:imgEffect>
+                        <a14:imgEffect>
+                          <a14:brightnessContrast bright="-40000" contrast="20000"/>
+                        </a14:imgEffect>
+                      </a14:imgLayer>
+                    </a14:imgProps>
+                  </a:ext>
+                  <a:ext uri="{28A0092B-C50C-407E-A947-70E740481C1C}">
+                    <a14:useLocalDpi xmlns:a14="http://schemas.microsoft.com/office/drawing/2010/main" val="0"/>
+                  </a:ext>
+                </a:extLst>
+              </a:blip>
+              <a:stretch>
+                <a:fillRect/>
+              </a:stretch>
+            </p:blipFill>
+            <p:spPr>
+              <a:xfrm>
+                <a:off x="670949" y="1350482"/>
+                <a:ext cx="2077341" cy="2068722"/>
+              </a:xfrm>
+              <a:prstGeom prst="rect">
+                <a:avLst/>
+              </a:prstGeom>
+            </p:spPr>
+          </p:pic>
+          <p:pic>
+            <p:nvPicPr>
+              <p:cNvPr id="9" name="Imagen 8"/>
+              <p:cNvPicPr>
+                <a:picLocks noChangeAspect="1"/>
+              </p:cNvPicPr>
+              <p:nvPr/>
+            </p:nvPicPr>
+            <p:blipFill>
+              <a:blip r:embed="rId4">
+                <a:extLst>
+                  <a:ext uri="{BEBA8EAE-BF5A-486C-A8C5-ECC9F3942E4B}">
+                    <a14:imgProps xmlns:a14="http://schemas.microsoft.com/office/drawing/2010/main">
+                      <a14:imgLayer r:embed="rId5">
+                        <a14:imgEffect>
+                          <a14:backgroundRemoval t="10000" b="90000" l="10000" r="90000"/>
+                        </a14:imgEffect>
+                        <a14:imgEffect>
+                          <a14:brightnessContrast bright="-40000" contrast="40000"/>
+                        </a14:imgEffect>
+                      </a14:imgLayer>
+                    </a14:imgProps>
+                  </a:ext>
+                  <a:ext uri="{28A0092B-C50C-407E-A947-70E740481C1C}">
+                    <a14:useLocalDpi xmlns:a14="http://schemas.microsoft.com/office/drawing/2010/main" val="0"/>
+                  </a:ext>
+                </a:extLst>
+              </a:blip>
+              <a:stretch>
+                <a:fillRect/>
+              </a:stretch>
+            </p:blipFill>
+            <p:spPr>
+              <a:xfrm>
+                <a:off x="1702676" y="2291156"/>
+                <a:ext cx="1558902" cy="1108553"/>
+              </a:xfrm>
+              <a:prstGeom prst="rect">
+                <a:avLst/>
+              </a:prstGeom>
+            </p:spPr>
+          </p:pic>
+        </p:grpSp>
+        <p:grpSp>
+          <p:nvGrpSpPr>
+            <p:cNvPr id="15" name="Grupo 14"/>
+            <p:cNvGrpSpPr/>
+            <p:nvPr/>
+          </p:nvGrpSpPr>
+          <p:grpSpPr>
+            <a:xfrm>
+              <a:off x="3158194" y="1350482"/>
+              <a:ext cx="2123615" cy="2068722"/>
+              <a:chOff x="3158194" y="1350482"/>
+              <a:chExt cx="2123615" cy="2068722"/>
+            </a:xfrm>
+          </p:grpSpPr>
+          <p:pic>
+            <p:nvPicPr>
+              <p:cNvPr id="5" name="Imagen 4"/>
+              <p:cNvPicPr>
+                <a:picLocks noChangeAspect="1"/>
+              </p:cNvPicPr>
+              <p:nvPr/>
+            </p:nvPicPr>
+            <p:blipFill>
+              <a:blip r:embed="rId2">
+                <a:extLst>
+                  <a:ext uri="{BEBA8EAE-BF5A-486C-A8C5-ECC9F3942E4B}">
+                    <a14:imgProps xmlns:a14="http://schemas.microsoft.com/office/drawing/2010/main">
+                      <a14:imgLayer r:embed="rId3">
+                        <a14:imgEffect>
+                          <a14:backgroundRemoval t="10000" b="90000" l="10000" r="90000"/>
+                        </a14:imgEffect>
+                        <a14:imgEffect>
+                          <a14:sharpenSoften amount="25000"/>
+                        </a14:imgEffect>
+                        <a14:imgEffect>
+                          <a14:brightnessContrast bright="-40000" contrast="20000"/>
+                        </a14:imgEffect>
+                      </a14:imgLayer>
+                    </a14:imgProps>
+                  </a:ext>
+                  <a:ext uri="{28A0092B-C50C-407E-A947-70E740481C1C}">
+                    <a14:useLocalDpi xmlns:a14="http://schemas.microsoft.com/office/drawing/2010/main" val="0"/>
+                  </a:ext>
+                </a:extLst>
+              </a:blip>
+              <a:stretch>
+                <a:fillRect/>
+              </a:stretch>
+            </p:blipFill>
+            <p:spPr>
+              <a:xfrm>
+                <a:off x="3204468" y="1350482"/>
+                <a:ext cx="2077341" cy="2068722"/>
+              </a:xfrm>
+              <a:prstGeom prst="rect">
+                <a:avLst/>
+              </a:prstGeom>
+            </p:spPr>
+          </p:pic>
+          <p:pic>
+            <p:nvPicPr>
+              <p:cNvPr id="12" name="Imagen 11"/>
+              <p:cNvPicPr>
+                <a:picLocks noChangeAspect="1"/>
+              </p:cNvPicPr>
+              <p:nvPr/>
+            </p:nvPicPr>
+            <p:blipFill>
+              <a:blip r:embed="rId6">
+                <a:extLst>
+                  <a:ext uri="{BEBA8EAE-BF5A-486C-A8C5-ECC9F3942E4B}">
+                    <a14:imgProps xmlns:a14="http://schemas.microsoft.com/office/drawing/2010/main">
+                      <a14:imgLayer r:embed="rId7">
+                        <a14:imgEffect>
+                          <a14:backgroundRemoval t="10000" b="90000" l="10000" r="90000"/>
+                        </a14:imgEffect>
+                        <a14:imgEffect>
+                          <a14:brightnessContrast bright="-40000" contrast="40000"/>
+                        </a14:imgEffect>
+                      </a14:imgLayer>
+                    </a14:imgProps>
+                  </a:ext>
+                  <a:ext uri="{28A0092B-C50C-407E-A947-70E740481C1C}">
+                    <a14:useLocalDpi xmlns:a14="http://schemas.microsoft.com/office/drawing/2010/main" val="0"/>
+                  </a:ext>
+                </a:extLst>
+              </a:blip>
+              <a:stretch>
+                <a:fillRect/>
+              </a:stretch>
+            </p:blipFill>
+            <p:spPr>
+              <a:xfrm rot="19750814">
+                <a:off x="3158194" y="2017863"/>
+                <a:ext cx="1318834" cy="733960"/>
+              </a:xfrm>
+              <a:prstGeom prst="rect">
+                <a:avLst/>
+              </a:prstGeom>
+            </p:spPr>
+          </p:pic>
+        </p:grpSp>
+        <p:grpSp>
+          <p:nvGrpSpPr>
+            <p:cNvPr id="16" name="Grupo 15"/>
+            <p:cNvGrpSpPr/>
+            <p:nvPr/>
+          </p:nvGrpSpPr>
+          <p:grpSpPr>
+            <a:xfrm>
+              <a:off x="5737987" y="1350482"/>
+              <a:ext cx="2077341" cy="2068722"/>
+              <a:chOff x="5737987" y="1350482"/>
+              <a:chExt cx="2077341" cy="2068722"/>
+            </a:xfrm>
+          </p:grpSpPr>
+          <p:pic>
+            <p:nvPicPr>
+              <p:cNvPr id="4" name="Imagen 3"/>
+              <p:cNvPicPr>
+                <a:picLocks noChangeAspect="1"/>
+              </p:cNvPicPr>
+              <p:nvPr/>
+            </p:nvPicPr>
+            <p:blipFill>
+              <a:blip r:embed="rId2">
+                <a:extLst>
+                  <a:ext uri="{BEBA8EAE-BF5A-486C-A8C5-ECC9F3942E4B}">
+                    <a14:imgProps xmlns:a14="http://schemas.microsoft.com/office/drawing/2010/main">
+                      <a14:imgLayer r:embed="rId3">
+                        <a14:imgEffect>
+                          <a14:backgroundRemoval t="10000" b="90000" l="10000" r="90000"/>
+                        </a14:imgEffect>
+                        <a14:imgEffect>
+                          <a14:sharpenSoften amount="25000"/>
+                        </a14:imgEffect>
+                        <a14:imgEffect>
+                          <a14:brightnessContrast bright="-40000" contrast="20000"/>
+                        </a14:imgEffect>
+                      </a14:imgLayer>
+                    </a14:imgProps>
+                  </a:ext>
+                  <a:ext uri="{28A0092B-C50C-407E-A947-70E740481C1C}">
+                    <a14:useLocalDpi xmlns:a14="http://schemas.microsoft.com/office/drawing/2010/main" val="0"/>
+                  </a:ext>
+                </a:extLst>
+              </a:blip>
+              <a:stretch>
+                <a:fillRect/>
+              </a:stretch>
+            </p:blipFill>
+            <p:spPr>
+              <a:xfrm>
+                <a:off x="5737987" y="1350482"/>
+                <a:ext cx="2077341" cy="2068722"/>
+              </a:xfrm>
+              <a:prstGeom prst="rect">
+                <a:avLst/>
+              </a:prstGeom>
+            </p:spPr>
+          </p:pic>
+          <p:pic>
+            <p:nvPicPr>
+              <p:cNvPr id="13" name="Imagen 12"/>
+              <p:cNvPicPr>
+                <a:picLocks noChangeAspect="1"/>
+              </p:cNvPicPr>
+              <p:nvPr/>
+            </p:nvPicPr>
+            <p:blipFill>
+              <a:blip r:embed="rId8">
+                <a:extLst>
+                  <a:ext uri="{BEBA8EAE-BF5A-486C-A8C5-ECC9F3942E4B}">
+                    <a14:imgProps xmlns:a14="http://schemas.microsoft.com/office/drawing/2010/main">
+                      <a14:imgLayer r:embed="rId9">
+                        <a14:imgEffect>
+                          <a14:brightnessContrast bright="-40000" contrast="40000"/>
+                        </a14:imgEffect>
+                      </a14:imgLayer>
+                    </a14:imgProps>
+                  </a:ext>
+                  <a:ext uri="{28A0092B-C50C-407E-A947-70E740481C1C}">
+                    <a14:useLocalDpi xmlns:a14="http://schemas.microsoft.com/office/drawing/2010/main" val="0"/>
+                  </a:ext>
+                </a:extLst>
+              </a:blip>
+              <a:stretch>
+                <a:fillRect/>
+              </a:stretch>
+            </p:blipFill>
+            <p:spPr>
+              <a:xfrm>
+                <a:off x="5883229" y="2504390"/>
+                <a:ext cx="893428" cy="893428"/>
+              </a:xfrm>
+              <a:prstGeom prst="rect">
+                <a:avLst/>
+              </a:prstGeom>
+            </p:spPr>
+          </p:pic>
+        </p:grpSp>
+      </p:grpSp>
+    </p:spTree>
+    <p:extLst>
+      <p:ext uri="{BB962C8B-B14F-4D97-AF65-F5344CB8AC3E}">
+        <p14:creationId xmlns:p14="http://schemas.microsoft.com/office/powerpoint/2010/main" val="3055733838"/>
+      </p:ext>
+    </p:extLst>
+  </p:cSld>
+  <p:clrMapOvr>
+    <a:masterClrMapping/>
+  </p:clrMapOvr>
+  <p:timing>
+    <p:tnLst>
+      <p:par>
+        <p:cTn id="1" dur="indefinite" restart="never" nodeType="tmRoot"/>
+      </p:par>
+    </p:tnLst>
+  </p:timing>
+</p:sld>
+</file>
+
+<file path=ppt/slides/slide5.xml><?xml version="1.0" encoding="utf-8"?>
+<p:sld xmlns:a="http://schemas.openxmlformats.org/drawingml/2006/main" xmlns:r="http://schemas.openxmlformats.org/officeDocument/2006/relationships" xmlns:p="http://schemas.openxmlformats.org/presentationml/2006/main">
+  <p:cSld>
+    <p:spTree>
+      <p:nvGrpSpPr>
         <p:cNvPr id="1" name="Shape 1563"/>
         <p:cNvGrpSpPr/>
         <p:nvPr/>
@@ -22043,25 +23312,25 @@
           <p:nvPr>
             <p:extLst>
               <p:ext uri="{D42A27DB-BD31-4B8C-83A1-F6EECF244321}">
-                <p14:modId xmlns:p14="http://schemas.microsoft.com/office/powerpoint/2010/main" val="2457824327"/>
+                <p14:modId xmlns:p14="http://schemas.microsoft.com/office/powerpoint/2010/main" val="2489152128"/>
               </p:ext>
             </p:extLst>
           </p:nvPr>
         </p:nvGraphicFramePr>
         <p:xfrm>
-          <a:off x="534257" y="0"/>
-          <a:ext cx="7643972" cy="5505450"/>
+          <a:off x="595313" y="1120775"/>
+          <a:ext cx="7011448" cy="2957930"/>
         </p:xfrm>
         <a:graphic>
           <a:graphicData uri="http://schemas.openxmlformats.org/presentationml/2006/ole">
             <mc:AlternateContent xmlns:mc="http://schemas.openxmlformats.org/markup-compatibility/2006">
               <mc:Choice xmlns:v="urn:schemas-microsoft-com:vml" Requires="v">
-                <p:oleObj spid="_x0000_s1030" name="Hoja de cálculo" r:id="rId4" imgW="6772304" imgH="8858322" progId="Excel.Sheet.12">
+                <p:oleObj spid="_x0000_s1037" name="Hoja de cálculo" r:id="rId4" imgW="6057838" imgH="2933780" progId="Excel.Sheet.12">
                   <p:embed/>
                 </p:oleObj>
               </mc:Choice>
               <mc:Fallback>
-                <p:oleObj name="Hoja de cálculo" r:id="rId4" imgW="6772304" imgH="8858322" progId="Excel.Sheet.12">
+                <p:oleObj name="Hoja de cálculo" r:id="rId4" imgW="6057838" imgH="2933780" progId="Excel.Sheet.12">
                   <p:embed/>
                   <p:pic>
                     <p:nvPicPr>
@@ -22077,8 +23346,8 @@
                     </p:blipFill>
                     <p:spPr>
                       <a:xfrm>
-                        <a:off x="534257" y="0"/>
-                        <a:ext cx="7643972" cy="5505450"/>
+                        <a:off x="595313" y="1120775"/>
+                        <a:ext cx="7011448" cy="2957930"/>
                       </a:xfrm>
                       <a:prstGeom prst="rect">
                         <a:avLst/>
@@ -22091,6 +23360,60 @@
           </a:graphicData>
         </a:graphic>
       </p:graphicFrame>
+      <p:sp>
+        <p:nvSpPr>
+          <p:cNvPr id="4" name="Google Shape;456;p33"/>
+          <p:cNvSpPr txBox="1">
+            <a:spLocks noGrp="1"/>
+          </p:cNvSpPr>
+          <p:nvPr>
+            <p:ph type="title"/>
+          </p:nvPr>
+        </p:nvSpPr>
+        <p:spPr>
+          <a:xfrm>
+            <a:off x="595146" y="548745"/>
+            <a:ext cx="4604100" cy="572700"/>
+          </a:xfrm>
+          <a:prstGeom prst="rect">
+            <a:avLst/>
+          </a:prstGeom>
+        </p:spPr>
+        <p:txBody>
+          <a:bodyPr spcFirstLastPara="1" wrap="square" lIns="91425" tIns="91425" rIns="91425" bIns="91425" anchor="t" anchorCtr="0">
+            <a:noAutofit/>
+          </a:bodyPr>
+          <a:lstStyle/>
+          <a:p>
+            <a:pPr marL="0" lvl="0" indent="0" algn="l" rtl="0">
+              <a:spcBef>
+                <a:spcPts val="0"/>
+              </a:spcBef>
+              <a:spcAft>
+                <a:spcPts val="0"/>
+              </a:spcAft>
+              <a:buNone/>
+            </a:pPr>
+            <a:r>
+              <a:rPr lang="es-BO" dirty="0" smtClean="0"/>
+              <a:t>REQUERIMIENTOS DEL CLIENTE</a:t>
+            </a:r>
+            <a:endParaRPr dirty="0"/>
+          </a:p>
+          <a:p>
+            <a:pPr marL="0" lvl="0" indent="0" algn="l" rtl="0">
+              <a:spcBef>
+                <a:spcPts val="0"/>
+              </a:spcBef>
+              <a:spcAft>
+                <a:spcPts val="0"/>
+              </a:spcAft>
+              <a:buNone/>
+            </a:pPr>
+            <a:endParaRPr dirty="0"/>
+          </a:p>
+        </p:txBody>
+      </p:sp>
     </p:spTree>
   </p:cSld>
   <p:clrMapOvr>
@@ -22106,7 +23429,243 @@
 </p:sld>
 </file>
 
-<file path=ppt/slides/slide5.xml><?xml version="1.0" encoding="utf-8"?>
+<file path=ppt/slides/slide6.xml><?xml version="1.0" encoding="utf-8"?>
+<p:sld xmlns:a="http://schemas.openxmlformats.org/drawingml/2006/main" xmlns:r="http://schemas.openxmlformats.org/officeDocument/2006/relationships" xmlns:p="http://schemas.openxmlformats.org/presentationml/2006/main">
+  <p:cSld>
+    <p:spTree>
+      <p:nvGrpSpPr>
+        <p:cNvPr id="1" name=""/>
+        <p:cNvGrpSpPr/>
+        <p:nvPr/>
+      </p:nvGrpSpPr>
+      <p:grpSpPr>
+        <a:xfrm>
+          <a:off x="0" y="0"/>
+          <a:ext cx="0" cy="0"/>
+          <a:chOff x="0" y="0"/>
+          <a:chExt cx="0" cy="0"/>
+        </a:xfrm>
+      </p:grpSpPr>
+      <p:sp>
+        <p:nvSpPr>
+          <p:cNvPr id="2" name="Título 1"/>
+          <p:cNvSpPr>
+            <a:spLocks noGrp="1"/>
+          </p:cNvSpPr>
+          <p:nvPr>
+            <p:ph type="title"/>
+          </p:nvPr>
+        </p:nvSpPr>
+        <p:spPr/>
+        <p:txBody>
+          <a:bodyPr/>
+          <a:lstStyle/>
+          <a:p>
+            <a:pPr algn="l"/>
+            <a:r>
+              <a:rPr lang="es-BO" dirty="0" smtClean="0"/>
+              <a:t>HISTORIAS DE USUARIO</a:t>
+            </a:r>
+            <a:endParaRPr lang="es-ES" dirty="0"/>
+          </a:p>
+        </p:txBody>
+      </p:sp>
+      <p:graphicFrame>
+        <p:nvGraphicFramePr>
+          <p:cNvPr id="3" name="Objeto 2"/>
+          <p:cNvGraphicFramePr>
+            <a:graphicFrameLocks noChangeAspect="1"/>
+          </p:cNvGraphicFramePr>
+          <p:nvPr>
+            <p:extLst>
+              <p:ext uri="{D42A27DB-BD31-4B8C-83A1-F6EECF244321}">
+                <p14:modId xmlns:p14="http://schemas.microsoft.com/office/powerpoint/2010/main" val="1480103954"/>
+              </p:ext>
+            </p:extLst>
+          </p:nvPr>
+        </p:nvGraphicFramePr>
+        <p:xfrm>
+          <a:off x="717525" y="1204996"/>
+          <a:ext cx="6837362" cy="2884488"/>
+        </p:xfrm>
+        <a:graphic>
+          <a:graphicData uri="http://schemas.openxmlformats.org/presentationml/2006/ole">
+            <mc:AlternateContent xmlns:mc="http://schemas.openxmlformats.org/markup-compatibility/2006">
+              <mc:Choice xmlns:v="urn:schemas-microsoft-com:vml" Requires="v">
+                <p:oleObj spid="_x0000_s2052" name="Hoja de cálculo" r:id="rId3" imgW="6057838" imgH="2933780" progId="Excel.Sheet.12">
+                  <p:embed/>
+                </p:oleObj>
+              </mc:Choice>
+              <mc:Fallback>
+                <p:oleObj name="Hoja de cálculo" r:id="rId3" imgW="6057838" imgH="2933780" progId="Excel.Sheet.12">
+                  <p:embed/>
+                  <p:pic>
+                    <p:nvPicPr>
+                      <p:cNvPr id="3" name="Objeto 2"/>
+                      <p:cNvPicPr/>
+                      <p:nvPr/>
+                    </p:nvPicPr>
+                    <p:blipFill>
+                      <a:blip r:embed="rId4"/>
+                      <a:stretch>
+                        <a:fillRect/>
+                      </a:stretch>
+                    </p:blipFill>
+                    <p:spPr>
+                      <a:xfrm>
+                        <a:off x="717525" y="1204996"/>
+                        <a:ext cx="6837362" cy="2884488"/>
+                      </a:xfrm>
+                      <a:prstGeom prst="rect">
+                        <a:avLst/>
+                      </a:prstGeom>
+                    </p:spPr>
+                  </p:pic>
+                </p:oleObj>
+              </mc:Fallback>
+            </mc:AlternateContent>
+          </a:graphicData>
+        </a:graphic>
+      </p:graphicFrame>
+    </p:spTree>
+    <p:extLst>
+      <p:ext uri="{BB962C8B-B14F-4D97-AF65-F5344CB8AC3E}">
+        <p14:creationId xmlns:p14="http://schemas.microsoft.com/office/powerpoint/2010/main" val="1211763756"/>
+      </p:ext>
+    </p:extLst>
+  </p:cSld>
+  <p:clrMapOvr>
+    <a:masterClrMapping/>
+  </p:clrMapOvr>
+  <p:timing>
+    <p:tnLst>
+      <p:par>
+        <p:cTn id="1" dur="indefinite" restart="never" nodeType="tmRoot"/>
+      </p:par>
+    </p:tnLst>
+  </p:timing>
+</p:sld>
+</file>
+
+<file path=ppt/slides/slide7.xml><?xml version="1.0" encoding="utf-8"?>
+<p:sld xmlns:a="http://schemas.openxmlformats.org/drawingml/2006/main" xmlns:r="http://schemas.openxmlformats.org/officeDocument/2006/relationships" xmlns:p="http://schemas.openxmlformats.org/presentationml/2006/main">
+  <p:cSld>
+    <p:spTree>
+      <p:nvGrpSpPr>
+        <p:cNvPr id="1" name=""/>
+        <p:cNvGrpSpPr/>
+        <p:nvPr/>
+      </p:nvGrpSpPr>
+      <p:grpSpPr>
+        <a:xfrm>
+          <a:off x="0" y="0"/>
+          <a:ext cx="0" cy="0"/>
+          <a:chOff x="0" y="0"/>
+          <a:chExt cx="0" cy="0"/>
+        </a:xfrm>
+      </p:grpSpPr>
+      <p:sp>
+        <p:nvSpPr>
+          <p:cNvPr id="2" name="Título 1"/>
+          <p:cNvSpPr>
+            <a:spLocks noGrp="1"/>
+          </p:cNvSpPr>
+          <p:nvPr>
+            <p:ph type="title"/>
+          </p:nvPr>
+        </p:nvSpPr>
+        <p:spPr/>
+        <p:txBody>
+          <a:bodyPr/>
+          <a:lstStyle/>
+          <a:p>
+            <a:pPr algn="l"/>
+            <a:r>
+              <a:rPr lang="es-BO" dirty="0" smtClean="0"/>
+              <a:t>PRIORIZAR BACKLOG</a:t>
+            </a:r>
+            <a:endParaRPr lang="es-ES" dirty="0"/>
+          </a:p>
+        </p:txBody>
+      </p:sp>
+      <p:graphicFrame>
+        <p:nvGraphicFramePr>
+          <p:cNvPr id="4" name="Objeto 3"/>
+          <p:cNvGraphicFramePr>
+            <a:graphicFrameLocks noChangeAspect="1"/>
+          </p:cNvGraphicFramePr>
+          <p:nvPr>
+            <p:extLst>
+              <p:ext uri="{D42A27DB-BD31-4B8C-83A1-F6EECF244321}">
+                <p14:modId xmlns:p14="http://schemas.microsoft.com/office/powerpoint/2010/main" val="4071032356"/>
+              </p:ext>
+            </p:extLst>
+          </p:nvPr>
+        </p:nvGraphicFramePr>
+        <p:xfrm>
+          <a:off x="717525" y="1204996"/>
+          <a:ext cx="6837362" cy="2884488"/>
+        </p:xfrm>
+        <a:graphic>
+          <a:graphicData uri="http://schemas.openxmlformats.org/presentationml/2006/ole">
+            <mc:AlternateContent xmlns:mc="http://schemas.openxmlformats.org/markup-compatibility/2006">
+              <mc:Choice xmlns:v="urn:schemas-microsoft-com:vml" Requires="v">
+                <p:oleObj spid="_x0000_s3075" name="Hoja de cálculo" r:id="rId3" imgW="6057838" imgH="2933780" progId="Excel.Sheet.12">
+                  <p:embed/>
+                </p:oleObj>
+              </mc:Choice>
+              <mc:Fallback>
+                <p:oleObj name="Hoja de cálculo" r:id="rId3" imgW="6057838" imgH="2933780" progId="Excel.Sheet.12">
+                  <p:embed/>
+                  <p:pic>
+                    <p:nvPicPr>
+                      <p:cNvPr id="3" name="Objeto 2"/>
+                      <p:cNvPicPr/>
+                      <p:nvPr/>
+                    </p:nvPicPr>
+                    <p:blipFill>
+                      <a:blip r:embed="rId4"/>
+                      <a:stretch>
+                        <a:fillRect/>
+                      </a:stretch>
+                    </p:blipFill>
+                    <p:spPr>
+                      <a:xfrm>
+                        <a:off x="717525" y="1204996"/>
+                        <a:ext cx="6837362" cy="2884488"/>
+                      </a:xfrm>
+                      <a:prstGeom prst="rect">
+                        <a:avLst/>
+                      </a:prstGeom>
+                    </p:spPr>
+                  </p:pic>
+                </p:oleObj>
+              </mc:Fallback>
+            </mc:AlternateContent>
+          </a:graphicData>
+        </a:graphic>
+      </p:graphicFrame>
+    </p:spTree>
+    <p:extLst>
+      <p:ext uri="{BB962C8B-B14F-4D97-AF65-F5344CB8AC3E}">
+        <p14:creationId xmlns:p14="http://schemas.microsoft.com/office/powerpoint/2010/main" val="795388343"/>
+      </p:ext>
+    </p:extLst>
+  </p:cSld>
+  <p:clrMapOvr>
+    <a:masterClrMapping/>
+  </p:clrMapOvr>
+  <p:timing>
+    <p:tnLst>
+      <p:par>
+        <p:cTn id="1" dur="indefinite" restart="never" nodeType="tmRoot"/>
+      </p:par>
+    </p:tnLst>
+  </p:timing>
+</p:sld>
+</file>
+
+<file path=ppt/slides/slide8.xml><?xml version="1.0" encoding="utf-8"?>
 <p:sld xmlns:a="http://schemas.openxmlformats.org/drawingml/2006/main" xmlns:r="http://schemas.openxmlformats.org/officeDocument/2006/relationships" xmlns:p="http://schemas.openxmlformats.org/presentationml/2006/main">
   <p:cSld>
     <p:spTree>
